--- a/Demos/6/OneToMany.pptx
+++ b/Demos/6/OneToMany.pptx
@@ -3604,7 +3604,11 @@
             </a:r>
             <a:r>
               <a:rPr lang="hu-HU" dirty="0" smtClean="0"/>
-              <a:t> i am?</a:t>
+              <a:t> </a:t>
+            </a:r>
+            <a:r>
+              <a:rPr lang="hu-HU" dirty="0" smtClean="0"/>
+              <a:t>am i?</a:t>
             </a:r>
             <a:endParaRPr lang="hu-HU" dirty="0"/>
           </a:p>
@@ -3772,7 +3776,6 @@
               <a:rPr lang="hu-HU" sz="3200" dirty="0" smtClean="0"/>
               <a:t>)</a:t>
             </a:r>
-            <a:endParaRPr lang="hu-HU" sz="3200" dirty="0" smtClean="0"/>
           </a:p>
           <a:p>
             <a:r>
@@ -5487,11 +5490,7 @@
             </a:r>
             <a:r>
               <a:rPr lang="hu-HU" sz="4000" i="1" dirty="0" err="1" smtClean="0"/>
-              <a:t>o</a:t>
-            </a:r>
-            <a:r>
-              <a:rPr lang="hu-HU" sz="4000" i="1" dirty="0" err="1" smtClean="0"/>
-              <a:t>ne</a:t>
+              <a:t>one</a:t>
             </a:r>
             <a:r>
               <a:rPr lang="hu-HU" sz="4000" i="1" dirty="0" smtClean="0"/>
